--- a/Presentation.pptx
+++ b/Presentation.pptx
@@ -111,6 +111,11 @@
       </a:defRPr>
     </a:lvl9pPr>
   </p:defaultTextStyle>
+  <p:extLst>
+    <p:ext uri="{EFAFB233-063F-42B5-8137-9DF3F51BA10A}">
+      <p15:sldGuideLst xmlns:p15="http://schemas.microsoft.com/office/powerpoint/2012/main"/>
+    </p:ext>
+  </p:extLst>
 </p:presentation>
 </file>
 
@@ -3903,11 +3908,8 @@
             </a:r>
             <a:r>
               <a:rPr lang="en-ZA" dirty="0"/>
-              <a:t> pages for UI</a:t>
-            </a:r>
-          </a:p>
-          <a:p>
-            <a:endParaRPr lang="en-ZA" dirty="0"/>
+              <a:t> pages for prototype deployment</a:t>
+            </a:r>
           </a:p>
         </p:txBody>
       </p:sp>

--- a/Presentation.pptx
+++ b/Presentation.pptx
@@ -4008,6 +4008,15 @@
               <a:t>It educates the mothers/caregivers and helps them take care of their bundles of joy</a:t>
             </a:r>
           </a:p>
+          <a:p>
+            <a:r>
+              <a:rPr lang="en-ZA"/>
+              <a:t>//Reduces tuberculosis in children (and the adults those children become)</a:t>
+            </a:r>
+          </a:p>
+          <a:p>
+            <a:endParaRPr lang="en-ZA" dirty="0"/>
+          </a:p>
         </p:txBody>
       </p:sp>
     </p:spTree>
